--- a/Presentacion ISII.pptx
+++ b/Presentacion ISII.pptx
@@ -5,7 +5,7 @@
     <p:sldMasterId id="2147483816" r:id="rId1"/>
   </p:sldMasterIdLst>
   <p:notesMasterIdLst>
-    <p:notesMasterId r:id="rId22"/>
+    <p:notesMasterId r:id="rId23"/>
   </p:notesMasterIdLst>
   <p:sldIdLst>
     <p:sldId id="256" r:id="rId2"/>
@@ -28,6 +28,7 @@
     <p:sldId id="268" r:id="rId19"/>
     <p:sldId id="269" r:id="rId20"/>
     <p:sldId id="270" r:id="rId21"/>
+    <p:sldId id="278" r:id="rId22"/>
   </p:sldIdLst>
   <p:sldSz cx="9144000" cy="6858000" type="screen4x3"/>
   <p:notesSz cx="6858000" cy="9144000"/>
@@ -4668,7 +4669,9 @@
           </a:xfrm>
         </p:spPr>
         <p:txBody>
-          <a:bodyPr/>
+          <a:bodyPr>
+            <a:normAutofit fontScale="62500" lnSpcReduction="20000"/>
+          </a:bodyPr>
           <a:lstStyle/>
           <a:p>
             <a:pPr eaLnBrk="1" hangingPunct="1"/>
@@ -4812,7 +4815,9 @@
           </a:xfrm>
         </p:spPr>
         <p:txBody>
-          <a:bodyPr/>
+          <a:bodyPr>
+            <a:normAutofit fontScale="62500" lnSpcReduction="20000"/>
+          </a:bodyPr>
           <a:lstStyle/>
           <a:p>
             <a:pPr eaLnBrk="1" hangingPunct="1"/>
@@ -6245,6 +6250,145 @@
 </p:sld>
 </file>
 
+<file path=ppt/slides/slide21.xml><?xml version="1.0" encoding="utf-8"?>
+<p:sld xmlns:a="http://schemas.openxmlformats.org/drawingml/2006/main" xmlns:r="http://schemas.openxmlformats.org/officeDocument/2006/relationships" xmlns:p="http://schemas.openxmlformats.org/presentationml/2006/main">
+  <p:cSld>
+    <p:spTree>
+      <p:nvGrpSpPr>
+        <p:cNvPr id="1" name=""/>
+        <p:cNvGrpSpPr/>
+        <p:nvPr/>
+      </p:nvGrpSpPr>
+      <p:grpSpPr>
+        <a:xfrm>
+          <a:off x="0" y="0"/>
+          <a:ext cx="0" cy="0"/>
+          <a:chOff x="0" y="0"/>
+          <a:chExt cx="0" cy="0"/>
+        </a:xfrm>
+      </p:grpSpPr>
+      <p:sp>
+        <p:nvSpPr>
+          <p:cNvPr id="2" name="1 Título"/>
+          <p:cNvSpPr>
+            <a:spLocks noGrp="1"/>
+          </p:cNvSpPr>
+          <p:nvPr>
+            <p:ph type="title"/>
+          </p:nvPr>
+        </p:nvSpPr>
+        <p:spPr/>
+        <p:txBody>
+          <a:bodyPr/>
+          <a:lstStyle/>
+          <a:p>
+            <a:r>
+              <a:rPr lang="es-ES" dirty="0" smtClean="0"/>
+              <a:t>Coordinación del equipo</a:t>
+            </a:r>
+            <a:endParaRPr lang="es-ES" dirty="0"/>
+          </a:p>
+        </p:txBody>
+      </p:sp>
+      <p:sp>
+        <p:nvSpPr>
+          <p:cNvPr id="3" name="2 Marcador de contenido"/>
+          <p:cNvSpPr>
+            <a:spLocks noGrp="1"/>
+          </p:cNvSpPr>
+          <p:nvPr>
+            <p:ph idx="1"/>
+          </p:nvPr>
+        </p:nvSpPr>
+        <p:spPr/>
+        <p:txBody>
+          <a:bodyPr/>
+          <a:lstStyle/>
+          <a:p>
+            <a:r>
+              <a:rPr lang="es-ES" dirty="0" smtClean="0"/>
+              <a:t>Para la gestión de archivos se ha utilizado el repositorio </a:t>
+            </a:r>
+            <a:r>
+              <a:rPr lang="es-ES" dirty="0" err="1" smtClean="0"/>
+              <a:t>github</a:t>
+            </a:r>
+            <a:r>
+              <a:rPr lang="es-ES" dirty="0" smtClean="0"/>
+              <a:t>.</a:t>
+            </a:r>
+          </a:p>
+          <a:p>
+            <a:pPr marL="0" indent="0">
+              <a:buNone/>
+            </a:pPr>
+            <a:endParaRPr lang="es-ES" dirty="0" smtClean="0"/>
+          </a:p>
+          <a:p>
+            <a:r>
+              <a:rPr lang="es-ES" smtClean="0"/>
+              <a:t>Cada subgrupo</a:t>
+            </a:r>
+            <a:r>
+              <a:rPr lang="es-ES" dirty="0" smtClean="0"/>
+              <a:t>, aparte de las sesiones de prácticas y las reuniones en la </a:t>
+            </a:r>
+            <a:r>
+              <a:rPr lang="es-ES" smtClean="0"/>
+              <a:t>escuela, </a:t>
+            </a:r>
+            <a:r>
+              <a:rPr lang="es-ES" dirty="0" smtClean="0"/>
+              <a:t>ha usado </a:t>
+            </a:r>
+            <a:r>
+              <a:rPr lang="es-ES" dirty="0" err="1" smtClean="0"/>
+              <a:t>skype</a:t>
+            </a:r>
+            <a:r>
+              <a:rPr lang="es-ES" dirty="0" smtClean="0"/>
+              <a:t>.</a:t>
+            </a:r>
+          </a:p>
+          <a:p>
+            <a:endParaRPr lang="es-ES" dirty="0" smtClean="0"/>
+          </a:p>
+          <a:p>
+            <a:r>
+              <a:rPr lang="es-ES" dirty="0" smtClean="0"/>
+              <a:t>Como medio de comunicación entre el equipo hemos usado una lista de correo de </a:t>
+            </a:r>
+            <a:r>
+              <a:rPr lang="es-ES" dirty="0" err="1" smtClean="0"/>
+              <a:t>google</a:t>
+            </a:r>
+            <a:r>
+              <a:rPr lang="es-ES" dirty="0" smtClean="0"/>
+              <a:t> con cerca de 350 mensajes.</a:t>
+            </a:r>
+          </a:p>
+        </p:txBody>
+      </p:sp>
+    </p:spTree>
+    <p:extLst>
+      <p:ext uri="{BB962C8B-B14F-4D97-AF65-F5344CB8AC3E}">
+        <p14:creationId xmlns:p14="http://schemas.microsoft.com/office/powerpoint/2010/main" val="2746666820"/>
+      </p:ext>
+    </p:extLst>
+  </p:cSld>
+  <p:clrMapOvr>
+    <a:masterClrMapping/>
+  </p:clrMapOvr>
+  <p:timing>
+    <p:tnLst>
+      <p:par>
+        <p:cTn id="1" dur="indefinite" restart="never" nodeType="tmRoot"/>
+      </p:par>
+    </p:tnLst>
+  </p:timing>
+</p:sld>
+</file>
+
 <file path=ppt/slides/slide3.xml><?xml version="1.0" encoding="utf-8"?>
 <p:sld xmlns:a="http://schemas.openxmlformats.org/drawingml/2006/main" xmlns:r="http://schemas.openxmlformats.org/officeDocument/2006/relationships" xmlns:p="http://schemas.openxmlformats.org/presentationml/2006/main">
   <p:cSld>
@@ -6304,15 +6448,7 @@
           <a:p>
             <a:r>
               <a:rPr lang="es-ES" dirty="0" smtClean="0"/>
-              <a:t>Planificación: </a:t>
-            </a:r>
-            <a:r>
-              <a:rPr lang="es-ES" dirty="0" smtClean="0"/>
-              <a:t>25 </a:t>
-            </a:r>
-            <a:r>
-              <a:rPr lang="es-ES" dirty="0" smtClean="0"/>
-              <a:t>horas entre todo el equipo.</a:t>
+              <a:t>Planificación: 25 horas entre todo el equipo.</a:t>
             </a:r>
           </a:p>
           <a:p>
